--- a/大模型KVcache优化方法研究/中期/《大模型KVCache卸载优化》中期答辩.pptx
+++ b/大模型KVcache优化方法研究/中期/《大模型KVCache卸载优化》中期答辩.pptx
@@ -6,10 +6,10 @@
     <p:sldMasterId id="2147483708" r:id="rId2"/>
   </p:sldMasterIdLst>
   <p:notesMasterIdLst>
-    <p:notesMasterId r:id="rId16"/>
+    <p:notesMasterId r:id="rId15"/>
   </p:notesMasterIdLst>
   <p:handoutMasterIdLst>
-    <p:handoutMasterId r:id="rId17"/>
+    <p:handoutMasterId r:id="rId16"/>
   </p:handoutMasterIdLst>
   <p:sldIdLst>
     <p:sldId id="256" r:id="rId3"/>
@@ -21,15 +21,14 @@
     <p:sldId id="260" r:id="rId9"/>
     <p:sldId id="286" r:id="rId10"/>
     <p:sldId id="287" r:id="rId11"/>
-    <p:sldId id="283" r:id="rId12"/>
-    <p:sldId id="261" r:id="rId13"/>
-    <p:sldId id="270" r:id="rId14"/>
-    <p:sldId id="262" r:id="rId15"/>
+    <p:sldId id="261" r:id="rId12"/>
+    <p:sldId id="270" r:id="rId13"/>
+    <p:sldId id="262" r:id="rId14"/>
   </p:sldIdLst>
   <p:sldSz cx="12192000" cy="6858000"/>
   <p:notesSz cx="6858000" cy="9144000"/>
   <p:custDataLst>
-    <p:tags r:id="rId18"/>
+    <p:tags r:id="rId17"/>
   </p:custDataLst>
   <p:defaultTextStyle>
     <a:defPPr>
@@ -9663,853 +9662,6 @@
   <p:cSld>
     <p:spTree>
       <p:nvGrpSpPr>
-        <p:cNvPr id="1" name="">
-          <a:extLst>
-            <a:ext uri="{FF2B5EF4-FFF2-40B4-BE49-F238E27FC236}">
-              <a16:creationId xmlns:a16="http://schemas.microsoft.com/office/drawing/2014/main" id="{AB17E273-1E7E-D1D0-C3F8-B5934E0BFD89}"/>
-            </a:ext>
-          </a:extLst>
-        </p:cNvPr>
-        <p:cNvGrpSpPr/>
-        <p:nvPr/>
-      </p:nvGrpSpPr>
-      <p:grpSpPr>
-        <a:xfrm>
-          <a:off x="0" y="0"/>
-          <a:ext cx="0" cy="0"/>
-          <a:chOff x="0" y="0"/>
-          <a:chExt cx="0" cy="0"/>
-        </a:xfrm>
-      </p:grpSpPr>
-      <p:grpSp>
-        <p:nvGrpSpPr>
-          <p:cNvPr id="8" name="组合 7">
-            <a:extLst>
-              <a:ext uri="{FF2B5EF4-FFF2-40B4-BE49-F238E27FC236}">
-                <a16:creationId xmlns:a16="http://schemas.microsoft.com/office/drawing/2014/main" id="{C0927AD5-B646-A573-5E6B-415028F30BC3}"/>
-              </a:ext>
-            </a:extLst>
-          </p:cNvPr>
-          <p:cNvGrpSpPr/>
-          <p:nvPr/>
-        </p:nvGrpSpPr>
-        <p:grpSpPr>
-          <a:xfrm>
-            <a:off x="219635" y="186210"/>
-            <a:ext cx="3528399" cy="396324"/>
-            <a:chOff x="448096" y="362977"/>
-            <a:chExt cx="2967768" cy="396324"/>
-          </a:xfrm>
-        </p:grpSpPr>
-        <p:sp>
-          <p:nvSpPr>
-            <p:cNvPr id="9" name="任意多边形: 形状 47">
-              <a:extLst>
-                <a:ext uri="{FF2B5EF4-FFF2-40B4-BE49-F238E27FC236}">
-                  <a16:creationId xmlns:a16="http://schemas.microsoft.com/office/drawing/2014/main" id="{C791305E-4767-2FC9-5CBC-1AB143054A18}"/>
-                </a:ext>
-              </a:extLst>
-            </p:cNvPr>
-            <p:cNvSpPr/>
-            <p:nvPr/>
-          </p:nvSpPr>
-          <p:spPr>
-            <a:xfrm rot="19598233" flipH="1">
-              <a:off x="448096" y="362977"/>
-              <a:ext cx="393918" cy="396324"/>
-            </a:xfrm>
-            <a:custGeom>
-              <a:avLst/>
-              <a:gdLst>
-                <a:gd name="connsiteX0" fmla="*/ 447971 w 1442460"/>
-                <a:gd name="connsiteY0" fmla="*/ 1397101 h 1451272"/>
-                <a:gd name="connsiteX1" fmla="*/ 994490 w 1442460"/>
-                <a:gd name="connsiteY1" fmla="*/ 1397101 h 1451272"/>
-                <a:gd name="connsiteX2" fmla="*/ 867471 w 1442460"/>
-                <a:gd name="connsiteY2" fmla="*/ 1436530 h 1451272"/>
-                <a:gd name="connsiteX3" fmla="*/ 721230 w 1442460"/>
-                <a:gd name="connsiteY3" fmla="*/ 1451272 h 1451272"/>
-                <a:gd name="connsiteX4" fmla="*/ 574989 w 1442460"/>
-                <a:gd name="connsiteY4" fmla="*/ 1436530 h 1451272"/>
-                <a:gd name="connsiteX5" fmla="*/ 209854 w 1442460"/>
-                <a:gd name="connsiteY5" fmla="*/ 1240162 h 1451272"/>
-                <a:gd name="connsiteX6" fmla="*/ 1232607 w 1442460"/>
-                <a:gd name="connsiteY6" fmla="*/ 1240162 h 1451272"/>
-                <a:gd name="connsiteX7" fmla="*/ 1166640 w 1442460"/>
-                <a:gd name="connsiteY7" fmla="*/ 1294590 h 1451272"/>
-                <a:gd name="connsiteX8" fmla="*/ 275821 w 1442460"/>
-                <a:gd name="connsiteY8" fmla="*/ 1294590 h 1451272"/>
-                <a:gd name="connsiteX9" fmla="*/ 93401 w 1442460"/>
-                <a:gd name="connsiteY9" fmla="*/ 1083223 h 1451272"/>
-                <a:gd name="connsiteX10" fmla="*/ 1349059 w 1442460"/>
-                <a:gd name="connsiteY10" fmla="*/ 1083223 h 1451272"/>
-                <a:gd name="connsiteX11" fmla="*/ 1322939 w 1442460"/>
-                <a:gd name="connsiteY11" fmla="*/ 1131346 h 1451272"/>
-                <a:gd name="connsiteX12" fmla="*/ 1317737 w 1442460"/>
-                <a:gd name="connsiteY12" fmla="*/ 1137651 h 1451272"/>
-                <a:gd name="connsiteX13" fmla="*/ 124723 w 1442460"/>
-                <a:gd name="connsiteY13" fmla="*/ 1137651 h 1451272"/>
-                <a:gd name="connsiteX14" fmla="*/ 119521 w 1442460"/>
-                <a:gd name="connsiteY14" fmla="*/ 1131346 h 1451272"/>
-                <a:gd name="connsiteX15" fmla="*/ 27225 w 1442460"/>
-                <a:gd name="connsiteY15" fmla="*/ 926284 h 1451272"/>
-                <a:gd name="connsiteX16" fmla="*/ 1415235 w 1442460"/>
-                <a:gd name="connsiteY16" fmla="*/ 926284 h 1451272"/>
-                <a:gd name="connsiteX17" fmla="*/ 1398340 w 1442460"/>
-                <a:gd name="connsiteY17" fmla="*/ 980712 h 1451272"/>
-                <a:gd name="connsiteX18" fmla="*/ 44121 w 1442460"/>
-                <a:gd name="connsiteY18" fmla="*/ 980712 h 1451272"/>
-                <a:gd name="connsiteX19" fmla="*/ 0 w 1442460"/>
-                <a:gd name="connsiteY19" fmla="*/ 769345 h 1451272"/>
-                <a:gd name="connsiteX20" fmla="*/ 1442460 w 1442460"/>
-                <a:gd name="connsiteY20" fmla="*/ 769345 h 1451272"/>
-                <a:gd name="connsiteX21" fmla="*/ 1436973 w 1442460"/>
-                <a:gd name="connsiteY21" fmla="*/ 823773 h 1451272"/>
-                <a:gd name="connsiteX22" fmla="*/ 5487 w 1442460"/>
-                <a:gd name="connsiteY22" fmla="*/ 823773 h 1451272"/>
-                <a:gd name="connsiteX23" fmla="*/ 7009 w 1442460"/>
-                <a:gd name="connsiteY23" fmla="*/ 612406 h 1451272"/>
-                <a:gd name="connsiteX24" fmla="*/ 1435452 w 1442460"/>
-                <a:gd name="connsiteY24" fmla="*/ 612406 h 1451272"/>
-                <a:gd name="connsiteX25" fmla="*/ 1440939 w 1442460"/>
-                <a:gd name="connsiteY25" fmla="*/ 666834 h 1451272"/>
-                <a:gd name="connsiteX26" fmla="*/ 1522 w 1442460"/>
-                <a:gd name="connsiteY26" fmla="*/ 666834 h 1451272"/>
-                <a:gd name="connsiteX27" fmla="*/ 48806 w 1442460"/>
-                <a:gd name="connsiteY27" fmla="*/ 455467 h 1451272"/>
-                <a:gd name="connsiteX28" fmla="*/ 1393655 w 1442460"/>
-                <a:gd name="connsiteY28" fmla="*/ 455467 h 1451272"/>
-                <a:gd name="connsiteX29" fmla="*/ 1410550 w 1442460"/>
-                <a:gd name="connsiteY29" fmla="*/ 509895 h 1451272"/>
-                <a:gd name="connsiteX30" fmla="*/ 31911 w 1442460"/>
-                <a:gd name="connsiteY30" fmla="*/ 509895 h 1451272"/>
-                <a:gd name="connsiteX31" fmla="*/ 137176 w 1442460"/>
-                <a:gd name="connsiteY31" fmla="*/ 298528 h 1451272"/>
-                <a:gd name="connsiteX32" fmla="*/ 1305284 w 1442460"/>
-                <a:gd name="connsiteY32" fmla="*/ 298528 h 1451272"/>
-                <a:gd name="connsiteX33" fmla="*/ 1322939 w 1442460"/>
-                <a:gd name="connsiteY33" fmla="*/ 319926 h 1451272"/>
-                <a:gd name="connsiteX34" fmla="*/ 1340867 w 1442460"/>
-                <a:gd name="connsiteY34" fmla="*/ 352956 h 1451272"/>
-                <a:gd name="connsiteX35" fmla="*/ 101593 w 1442460"/>
-                <a:gd name="connsiteY35" fmla="*/ 352956 h 1451272"/>
-                <a:gd name="connsiteX36" fmla="*/ 119521 w 1442460"/>
-                <a:gd name="connsiteY36" fmla="*/ 319926 h 1451272"/>
-                <a:gd name="connsiteX37" fmla="*/ 294114 w 1442460"/>
-                <a:gd name="connsiteY37" fmla="*/ 141589 h 1451272"/>
-                <a:gd name="connsiteX38" fmla="*/ 1148347 w 1442460"/>
-                <a:gd name="connsiteY38" fmla="*/ 141589 h 1451272"/>
-                <a:gd name="connsiteX39" fmla="*/ 1214314 w 1442460"/>
-                <a:gd name="connsiteY39" fmla="*/ 196017 h 1451272"/>
-                <a:gd name="connsiteX40" fmla="*/ 228147 w 1442460"/>
-                <a:gd name="connsiteY40" fmla="*/ 196017 h 1451272"/>
-                <a:gd name="connsiteX41" fmla="*/ 721230 w 1442460"/>
-                <a:gd name="connsiteY41" fmla="*/ 0 h 1451272"/>
-                <a:gd name="connsiteX42" fmla="*/ 867471 w 1442460"/>
-                <a:gd name="connsiteY42" fmla="*/ 14742 h 1451272"/>
-                <a:gd name="connsiteX43" fmla="*/ 945868 w 1442460"/>
-                <a:gd name="connsiteY43" fmla="*/ 39078 h 1451272"/>
-                <a:gd name="connsiteX44" fmla="*/ 496593 w 1442460"/>
-                <a:gd name="connsiteY44" fmla="*/ 39078 h 1451272"/>
-                <a:gd name="connsiteX45" fmla="*/ 574989 w 1442460"/>
-                <a:gd name="connsiteY45" fmla="*/ 14742 h 1451272"/>
-                <a:gd name="connsiteX46" fmla="*/ 721230 w 1442460"/>
-                <a:gd name="connsiteY46" fmla="*/ 0 h 1451272"/>
-              </a:gdLst>
-              <a:ahLst/>
-              <a:cxnLst>
-                <a:cxn ang="0">
-                  <a:pos x="connsiteX0" y="connsiteY0"/>
-                </a:cxn>
-                <a:cxn ang="0">
-                  <a:pos x="connsiteX1" y="connsiteY1"/>
-                </a:cxn>
-                <a:cxn ang="0">
-                  <a:pos x="connsiteX2" y="connsiteY2"/>
-                </a:cxn>
-                <a:cxn ang="0">
-                  <a:pos x="connsiteX3" y="connsiteY3"/>
-                </a:cxn>
-                <a:cxn ang="0">
-                  <a:pos x="connsiteX4" y="connsiteY4"/>
-                </a:cxn>
-                <a:cxn ang="0">
-                  <a:pos x="connsiteX5" y="connsiteY5"/>
-                </a:cxn>
-                <a:cxn ang="0">
-                  <a:pos x="connsiteX6" y="connsiteY6"/>
-                </a:cxn>
-                <a:cxn ang="0">
-                  <a:pos x="connsiteX7" y="connsiteY7"/>
-                </a:cxn>
-                <a:cxn ang="0">
-                  <a:pos x="connsiteX8" y="connsiteY8"/>
-                </a:cxn>
-                <a:cxn ang="0">
-                  <a:pos x="connsiteX9" y="connsiteY9"/>
-                </a:cxn>
-                <a:cxn ang="0">
-                  <a:pos x="connsiteX10" y="connsiteY10"/>
-                </a:cxn>
-                <a:cxn ang="0">
-                  <a:pos x="connsiteX11" y="connsiteY11"/>
-                </a:cxn>
-                <a:cxn ang="0">
-                  <a:pos x="connsiteX12" y="connsiteY12"/>
-                </a:cxn>
-                <a:cxn ang="0">
-                  <a:pos x="connsiteX13" y="connsiteY13"/>
-                </a:cxn>
-                <a:cxn ang="0">
-                  <a:pos x="connsiteX14" y="connsiteY14"/>
-                </a:cxn>
-                <a:cxn ang="0">
-                  <a:pos x="connsiteX15" y="connsiteY15"/>
-                </a:cxn>
-                <a:cxn ang="0">
-                  <a:pos x="connsiteX16" y="connsiteY16"/>
-                </a:cxn>
-                <a:cxn ang="0">
-                  <a:pos x="connsiteX17" y="connsiteY17"/>
-                </a:cxn>
-                <a:cxn ang="0">
-                  <a:pos x="connsiteX18" y="connsiteY18"/>
-                </a:cxn>
-                <a:cxn ang="0">
-                  <a:pos x="connsiteX19" y="connsiteY19"/>
-                </a:cxn>
-                <a:cxn ang="0">
-                  <a:pos x="connsiteX20" y="connsiteY20"/>
-                </a:cxn>
-                <a:cxn ang="0">
-                  <a:pos x="connsiteX21" y="connsiteY21"/>
-                </a:cxn>
-                <a:cxn ang="0">
-                  <a:pos x="connsiteX22" y="connsiteY22"/>
-                </a:cxn>
-                <a:cxn ang="0">
-                  <a:pos x="connsiteX23" y="connsiteY23"/>
-                </a:cxn>
-                <a:cxn ang="0">
-                  <a:pos x="connsiteX24" y="connsiteY24"/>
-                </a:cxn>
-                <a:cxn ang="0">
-                  <a:pos x="connsiteX25" y="connsiteY25"/>
-                </a:cxn>
-                <a:cxn ang="0">
-                  <a:pos x="connsiteX26" y="connsiteY26"/>
-                </a:cxn>
-                <a:cxn ang="0">
-                  <a:pos x="connsiteX27" y="connsiteY27"/>
-                </a:cxn>
-                <a:cxn ang="0">
-                  <a:pos x="connsiteX28" y="connsiteY28"/>
-                </a:cxn>
-                <a:cxn ang="0">
-                  <a:pos x="connsiteX29" y="connsiteY29"/>
-                </a:cxn>
-                <a:cxn ang="0">
-                  <a:pos x="connsiteX30" y="connsiteY30"/>
-                </a:cxn>
-                <a:cxn ang="0">
-                  <a:pos x="connsiteX31" y="connsiteY31"/>
-                </a:cxn>
-                <a:cxn ang="0">
-                  <a:pos x="connsiteX32" y="connsiteY32"/>
-                </a:cxn>
-                <a:cxn ang="0">
-                  <a:pos x="connsiteX33" y="connsiteY33"/>
-                </a:cxn>
-                <a:cxn ang="0">
-                  <a:pos x="connsiteX34" y="connsiteY34"/>
-                </a:cxn>
-                <a:cxn ang="0">
-                  <a:pos x="connsiteX35" y="connsiteY35"/>
-                </a:cxn>
-                <a:cxn ang="0">
-                  <a:pos x="connsiteX36" y="connsiteY36"/>
-                </a:cxn>
-                <a:cxn ang="0">
-                  <a:pos x="connsiteX37" y="connsiteY37"/>
-                </a:cxn>
-                <a:cxn ang="0">
-                  <a:pos x="connsiteX38" y="connsiteY38"/>
-                </a:cxn>
-                <a:cxn ang="0">
-                  <a:pos x="connsiteX39" y="connsiteY39"/>
-                </a:cxn>
-                <a:cxn ang="0">
-                  <a:pos x="connsiteX40" y="connsiteY40"/>
-                </a:cxn>
-                <a:cxn ang="0">
-                  <a:pos x="connsiteX41" y="connsiteY41"/>
-                </a:cxn>
-                <a:cxn ang="0">
-                  <a:pos x="connsiteX42" y="connsiteY42"/>
-                </a:cxn>
-                <a:cxn ang="0">
-                  <a:pos x="connsiteX43" y="connsiteY43"/>
-                </a:cxn>
-                <a:cxn ang="0">
-                  <a:pos x="connsiteX44" y="connsiteY44"/>
-                </a:cxn>
-                <a:cxn ang="0">
-                  <a:pos x="connsiteX45" y="connsiteY45"/>
-                </a:cxn>
-                <a:cxn ang="0">
-                  <a:pos x="connsiteX46" y="connsiteY46"/>
-                </a:cxn>
-              </a:cxnLst>
-              <a:rect l="l" t="t" r="r" b="b"/>
-              <a:pathLst>
-                <a:path w="1442460" h="1451272">
-                  <a:moveTo>
-                    <a:pt x="447971" y="1397101"/>
-                  </a:moveTo>
-                  <a:lnTo>
-                    <a:pt x="994490" y="1397101"/>
-                  </a:lnTo>
-                  <a:lnTo>
-                    <a:pt x="867471" y="1436530"/>
-                  </a:lnTo>
-                  <a:cubicBezTo>
-                    <a:pt x="820234" y="1446196"/>
-                    <a:pt x="771325" y="1451272"/>
-                    <a:pt x="721230" y="1451272"/>
-                  </a:cubicBezTo>
-                  <a:cubicBezTo>
-                    <a:pt x="671136" y="1451272"/>
-                    <a:pt x="622226" y="1446196"/>
-                    <a:pt x="574989" y="1436530"/>
-                  </a:cubicBezTo>
-                  <a:close/>
-                  <a:moveTo>
-                    <a:pt x="209854" y="1240162"/>
-                  </a:moveTo>
-                  <a:lnTo>
-                    <a:pt x="1232607" y="1240162"/>
-                  </a:lnTo>
-                  <a:lnTo>
-                    <a:pt x="1166640" y="1294590"/>
-                  </a:lnTo>
-                  <a:lnTo>
-                    <a:pt x="275821" y="1294590"/>
-                  </a:lnTo>
-                  <a:close/>
-                  <a:moveTo>
-                    <a:pt x="93401" y="1083223"/>
-                  </a:moveTo>
-                  <a:lnTo>
-                    <a:pt x="1349059" y="1083223"/>
-                  </a:lnTo>
-                  <a:lnTo>
-                    <a:pt x="1322939" y="1131346"/>
-                  </a:lnTo>
-                  <a:lnTo>
-                    <a:pt x="1317737" y="1137651"/>
-                  </a:lnTo>
-                  <a:lnTo>
-                    <a:pt x="124723" y="1137651"/>
-                  </a:lnTo>
-                  <a:lnTo>
-                    <a:pt x="119521" y="1131346"/>
-                  </a:lnTo>
-                  <a:close/>
-                  <a:moveTo>
-                    <a:pt x="27225" y="926284"/>
-                  </a:moveTo>
-                  <a:lnTo>
-                    <a:pt x="1415235" y="926284"/>
-                  </a:lnTo>
-                  <a:lnTo>
-                    <a:pt x="1398340" y="980712"/>
-                  </a:lnTo>
-                  <a:lnTo>
-                    <a:pt x="44121" y="980712"/>
-                  </a:lnTo>
-                  <a:close/>
-                  <a:moveTo>
-                    <a:pt x="0" y="769345"/>
-                  </a:moveTo>
-                  <a:lnTo>
-                    <a:pt x="1442460" y="769345"/>
-                  </a:lnTo>
-                  <a:lnTo>
-                    <a:pt x="1436973" y="823773"/>
-                  </a:lnTo>
-                  <a:lnTo>
-                    <a:pt x="5487" y="823773"/>
-                  </a:lnTo>
-                  <a:close/>
-                  <a:moveTo>
-                    <a:pt x="7009" y="612406"/>
-                  </a:moveTo>
-                  <a:lnTo>
-                    <a:pt x="1435452" y="612406"/>
-                  </a:lnTo>
-                  <a:lnTo>
-                    <a:pt x="1440939" y="666834"/>
-                  </a:lnTo>
-                  <a:lnTo>
-                    <a:pt x="1522" y="666834"/>
-                  </a:lnTo>
-                  <a:close/>
-                  <a:moveTo>
-                    <a:pt x="48806" y="455467"/>
-                  </a:moveTo>
-                  <a:lnTo>
-                    <a:pt x="1393655" y="455467"/>
-                  </a:lnTo>
-                  <a:lnTo>
-                    <a:pt x="1410550" y="509895"/>
-                  </a:lnTo>
-                  <a:lnTo>
-                    <a:pt x="31911" y="509895"/>
-                  </a:lnTo>
-                  <a:close/>
-                  <a:moveTo>
-                    <a:pt x="137176" y="298528"/>
-                  </a:moveTo>
-                  <a:lnTo>
-                    <a:pt x="1305284" y="298528"/>
-                  </a:lnTo>
-                  <a:lnTo>
-                    <a:pt x="1322939" y="319926"/>
-                  </a:lnTo>
-                  <a:lnTo>
-                    <a:pt x="1340867" y="352956"/>
-                  </a:lnTo>
-                  <a:lnTo>
-                    <a:pt x="101593" y="352956"/>
-                  </a:lnTo>
-                  <a:lnTo>
-                    <a:pt x="119521" y="319926"/>
-                  </a:lnTo>
-                  <a:close/>
-                  <a:moveTo>
-                    <a:pt x="294114" y="141589"/>
-                  </a:moveTo>
-                  <a:lnTo>
-                    <a:pt x="1148347" y="141589"/>
-                  </a:lnTo>
-                  <a:lnTo>
-                    <a:pt x="1214314" y="196017"/>
-                  </a:lnTo>
-                  <a:lnTo>
-                    <a:pt x="228147" y="196017"/>
-                  </a:lnTo>
-                  <a:close/>
-                  <a:moveTo>
-                    <a:pt x="721230" y="0"/>
-                  </a:moveTo>
-                  <a:cubicBezTo>
-                    <a:pt x="771325" y="0"/>
-                    <a:pt x="820234" y="5076"/>
-                    <a:pt x="867471" y="14742"/>
-                  </a:cubicBezTo>
-                  <a:lnTo>
-                    <a:pt x="945868" y="39078"/>
-                  </a:lnTo>
-                  <a:lnTo>
-                    <a:pt x="496593" y="39078"/>
-                  </a:lnTo>
-                  <a:lnTo>
-                    <a:pt x="574989" y="14742"/>
-                  </a:lnTo>
-                  <a:cubicBezTo>
-                    <a:pt x="622226" y="5076"/>
-                    <a:pt x="671136" y="0"/>
-                    <a:pt x="721230" y="0"/>
-                  </a:cubicBezTo>
-                  <a:close/>
-                </a:path>
-              </a:pathLst>
-            </a:custGeom>
-            <a:solidFill>
-              <a:srgbClr val="595959"/>
-            </a:solidFill>
-            <a:ln>
-              <a:noFill/>
-            </a:ln>
-          </p:spPr>
-          <p:style>
-            <a:lnRef idx="2">
-              <a:schemeClr val="accent1">
-                <a:shade val="50000"/>
-              </a:schemeClr>
-            </a:lnRef>
-            <a:fillRef idx="1">
-              <a:schemeClr val="accent1"/>
-            </a:fillRef>
-            <a:effectRef idx="0">
-              <a:schemeClr val="accent1"/>
-            </a:effectRef>
-            <a:fontRef idx="minor">
-              <a:schemeClr val="lt1"/>
-            </a:fontRef>
-          </p:style>
-          <p:txBody>
-            <a:bodyPr wrap="square" rtlCol="0" anchor="ctr">
-              <a:noAutofit/>
-            </a:bodyPr>
-            <a:lstStyle/>
-            <a:p>
-              <a:pPr algn="ctr"/>
-              <a:endParaRPr lang="zh-CN" altLang="en-US">
-                <a:latin typeface="Arial"/>
-                <a:ea typeface="微软雅黑"/>
-                <a:sym typeface="Arial"/>
-              </a:endParaRPr>
-            </a:p>
-          </p:txBody>
-        </p:sp>
-        <p:sp>
-          <p:nvSpPr>
-            <p:cNvPr id="10" name="文本">
-              <a:extLst>
-                <a:ext uri="{FF2B5EF4-FFF2-40B4-BE49-F238E27FC236}">
-                  <a16:creationId xmlns:a16="http://schemas.microsoft.com/office/drawing/2014/main" id="{EFA5B38E-0002-CA54-F214-24636D1BEA7B}"/>
-                </a:ext>
-              </a:extLst>
-            </p:cNvPr>
-            <p:cNvSpPr>
-              <a:spLocks noChangeArrowheads="1"/>
-            </p:cNvSpPr>
-            <p:nvPr/>
-          </p:nvSpPr>
-          <p:spPr bwMode="auto">
-            <a:xfrm>
-              <a:off x="1019005" y="376473"/>
-              <a:ext cx="2396859" cy="369332"/>
-            </a:xfrm>
-            <a:prstGeom prst="rect">
-              <a:avLst/>
-            </a:prstGeom>
-            <a:noFill/>
-            <a:ln>
-              <a:noFill/>
-            </a:ln>
-            <a:effectLst/>
-            <a:extLst>
-              <a:ext uri="{909E8E84-426E-40DD-AFC4-6F175D3DCCD1}">
-                <a14:hiddenFill xmlns:a14="http://schemas.microsoft.com/office/drawing/2010/main">
-                  <a:solidFill>
-                    <a:srgbClr val="FFFFFF"/>
-                  </a:solidFill>
-                </a14:hiddenFill>
-              </a:ext>
-              <a:ext uri="{91240B29-F687-4F45-9708-019B960494DF}">
-                <a14:hiddenLine xmlns:a14="http://schemas.microsoft.com/office/drawing/2010/main" w="9525">
-                  <a:solidFill>
-                    <a:srgbClr val="000000"/>
-                  </a:solidFill>
-                  <a:miter lim="800000"/>
-                  <a:headEnd/>
-                  <a:tailEnd/>
-                </a14:hiddenLine>
-              </a:ext>
-            </a:extLst>
-          </p:spPr>
-          <p:txBody>
-            <a:bodyPr wrap="square" lIns="0" tIns="0" rIns="0" bIns="0">
-              <a:spAutoFit/>
-            </a:bodyPr>
-            <a:lstStyle/>
-            <a:p>
-              <a:pPr defTabSz="1219200">
-                <a:spcBef>
-                  <a:spcPct val="0"/>
-                </a:spcBef>
-              </a:pPr>
-              <a:r>
-                <a:rPr lang="zh-CN" altLang="en-US" sz="2400" b="1" kern="0" dirty="0">
-                  <a:solidFill>
-                    <a:srgbClr val="595959"/>
-                  </a:solidFill>
-                  <a:latin typeface="Arial"/>
-                  <a:ea typeface="微软雅黑"/>
-                  <a:sym typeface="Arial"/>
-                </a:rPr>
-                <a:t>实验设计</a:t>
-              </a:r>
-            </a:p>
-          </p:txBody>
-        </p:sp>
-      </p:grpSp>
-      <p:sp>
-        <p:nvSpPr>
-          <p:cNvPr id="3" name="文本框 2">
-            <a:extLst>
-              <a:ext uri="{FF2B5EF4-FFF2-40B4-BE49-F238E27FC236}">
-                <a16:creationId xmlns:a16="http://schemas.microsoft.com/office/drawing/2014/main" id="{50CA5BC9-6ECA-52EA-6A70-1B068AE61FEE}"/>
-              </a:ext>
-            </a:extLst>
-          </p:cNvPr>
-          <p:cNvSpPr txBox="1"/>
-          <p:nvPr/>
-        </p:nvSpPr>
-        <p:spPr>
-          <a:xfrm>
-            <a:off x="1432560" y="1228397"/>
-            <a:ext cx="9773920" cy="4401205"/>
-          </a:xfrm>
-          <a:prstGeom prst="rect">
-            <a:avLst/>
-          </a:prstGeom>
-          <a:noFill/>
-        </p:spPr>
-        <p:txBody>
-          <a:bodyPr wrap="square" rtlCol="0">
-            <a:spAutoFit/>
-          </a:bodyPr>
-          <a:lstStyle/>
-          <a:p>
-            <a:r>
-              <a:rPr lang="zh-CN" altLang="en-US" sz="2800" b="1" dirty="0">
-                <a:latin typeface="Times New Roman" panose="02020603050405020304" pitchFamily="18" charset="0"/>
-                <a:ea typeface="黑体" panose="02010609060101010101" pitchFamily="49" charset="-122"/>
-                <a:cs typeface="Times New Roman" panose="02020603050405020304" pitchFamily="18" charset="0"/>
-              </a:rPr>
-              <a:t>数据集与任务</a:t>
-            </a:r>
-            <a:endParaRPr lang="zh-CN" altLang="en-US" sz="2800" dirty="0">
-              <a:latin typeface="Times New Roman" panose="02020603050405020304" pitchFamily="18" charset="0"/>
-              <a:ea typeface="黑体" panose="02010609060101010101" pitchFamily="49" charset="-122"/>
-              <a:cs typeface="Times New Roman" panose="02020603050405020304" pitchFamily="18" charset="0"/>
-            </a:endParaRPr>
-          </a:p>
-          <a:p>
-            <a:pPr marL="342900" indent="-342900">
-              <a:buFont typeface="Arial" panose="020B0604020202020204" pitchFamily="34" charset="0"/>
-              <a:buChar char="•"/>
-            </a:pPr>
-            <a:r>
-              <a:rPr lang="zh-CN" altLang="en-US" sz="2800" dirty="0">
-                <a:latin typeface="Times New Roman" panose="02020603050405020304" pitchFamily="18" charset="0"/>
-                <a:ea typeface="黑体" panose="02010609060101010101" pitchFamily="49" charset="-122"/>
-                <a:cs typeface="Times New Roman" panose="02020603050405020304" pitchFamily="18" charset="0"/>
-              </a:rPr>
-              <a:t>长文本生成：使用</a:t>
-            </a:r>
-            <a:r>
-              <a:rPr lang="en-US" altLang="zh-CN" sz="2800" dirty="0">
-                <a:latin typeface="Times New Roman" panose="02020603050405020304" pitchFamily="18" charset="0"/>
-                <a:ea typeface="黑体" panose="02010609060101010101" pitchFamily="49" charset="-122"/>
-                <a:cs typeface="Times New Roman" panose="02020603050405020304" pitchFamily="18" charset="0"/>
-              </a:rPr>
-              <a:t>PG19</a:t>
-            </a:r>
-            <a:r>
-              <a:rPr lang="zh-CN" altLang="en-US" sz="2800" dirty="0">
-                <a:latin typeface="Times New Roman" panose="02020603050405020304" pitchFamily="18" charset="0"/>
-                <a:ea typeface="黑体" panose="02010609060101010101" pitchFamily="49" charset="-122"/>
-                <a:cs typeface="Times New Roman" panose="02020603050405020304" pitchFamily="18" charset="0"/>
-              </a:rPr>
-              <a:t>（书籍摘要）、</a:t>
-            </a:r>
-            <a:r>
-              <a:rPr lang="en-US" altLang="zh-CN" sz="2800" dirty="0" err="1">
-                <a:latin typeface="Times New Roman" panose="02020603050405020304" pitchFamily="18" charset="0"/>
-                <a:ea typeface="黑体" panose="02010609060101010101" pitchFamily="49" charset="-122"/>
-                <a:cs typeface="Times New Roman" panose="02020603050405020304" pitchFamily="18" charset="0"/>
-              </a:rPr>
-              <a:t>GovReport</a:t>
-            </a:r>
-            <a:r>
-              <a:rPr lang="zh-CN" altLang="en-US" sz="2800" dirty="0">
-                <a:latin typeface="Times New Roman" panose="02020603050405020304" pitchFamily="18" charset="0"/>
-                <a:ea typeface="黑体" panose="02010609060101010101" pitchFamily="49" charset="-122"/>
-                <a:cs typeface="Times New Roman" panose="02020603050405020304" pitchFamily="18" charset="0"/>
-              </a:rPr>
-              <a:t>（政府报告）；</a:t>
-            </a:r>
-          </a:p>
-          <a:p>
-            <a:pPr marL="342900" indent="-342900">
-              <a:buFont typeface="Arial" panose="020B0604020202020204" pitchFamily="34" charset="0"/>
-              <a:buChar char="•"/>
-            </a:pPr>
-            <a:r>
-              <a:rPr lang="zh-CN" altLang="en-US" sz="2800" dirty="0">
-                <a:latin typeface="Times New Roman" panose="02020603050405020304" pitchFamily="18" charset="0"/>
-                <a:ea typeface="黑体" panose="02010609060101010101" pitchFamily="49" charset="-122"/>
-                <a:cs typeface="Times New Roman" panose="02020603050405020304" pitchFamily="18" charset="0"/>
-              </a:rPr>
-              <a:t>对话任务：使用</a:t>
-            </a:r>
-            <a:r>
-              <a:rPr lang="en-US" altLang="zh-CN" sz="2800" dirty="0" err="1">
-                <a:latin typeface="Times New Roman" panose="02020603050405020304" pitchFamily="18" charset="0"/>
-                <a:ea typeface="黑体" panose="02010609060101010101" pitchFamily="49" charset="-122"/>
-                <a:cs typeface="Times New Roman" panose="02020603050405020304" pitchFamily="18" charset="0"/>
-              </a:rPr>
-              <a:t>ShareGPT</a:t>
-            </a:r>
-            <a:r>
-              <a:rPr lang="zh-CN" altLang="en-US" sz="2800" dirty="0">
-                <a:latin typeface="Times New Roman" panose="02020603050405020304" pitchFamily="18" charset="0"/>
-                <a:ea typeface="黑体" panose="02010609060101010101" pitchFamily="49" charset="-122"/>
-                <a:cs typeface="Times New Roman" panose="02020603050405020304" pitchFamily="18" charset="0"/>
-              </a:rPr>
-              <a:t>（多轮对话数据集）。</a:t>
-            </a:r>
-          </a:p>
-          <a:p>
-            <a:endParaRPr lang="en-US" altLang="zh-CN" sz="2800" dirty="0">
-              <a:latin typeface="Times New Roman" panose="02020603050405020304" pitchFamily="18" charset="0"/>
-              <a:ea typeface="黑体" panose="02010609060101010101" pitchFamily="49" charset="-122"/>
-              <a:cs typeface="Times New Roman" panose="02020603050405020304" pitchFamily="18" charset="0"/>
-            </a:endParaRPr>
-          </a:p>
-          <a:p>
-            <a:endParaRPr lang="en-US" altLang="zh-CN" sz="2800" dirty="0">
-              <a:latin typeface="Times New Roman" panose="02020603050405020304" pitchFamily="18" charset="0"/>
-              <a:ea typeface="黑体" panose="02010609060101010101" pitchFamily="49" charset="-122"/>
-              <a:cs typeface="Times New Roman" panose="02020603050405020304" pitchFamily="18" charset="0"/>
-            </a:endParaRPr>
-          </a:p>
-          <a:p>
-            <a:endParaRPr lang="zh-CN" altLang="en-US" sz="2800" dirty="0">
-              <a:latin typeface="Times New Roman" panose="02020603050405020304" pitchFamily="18" charset="0"/>
-              <a:ea typeface="黑体" panose="02010609060101010101" pitchFamily="49" charset="-122"/>
-              <a:cs typeface="Times New Roman" panose="02020603050405020304" pitchFamily="18" charset="0"/>
-            </a:endParaRPr>
-          </a:p>
-          <a:p>
-            <a:r>
-              <a:rPr lang="en-US" altLang="zh-CN" sz="2800" b="1" dirty="0">
-                <a:latin typeface="Times New Roman" panose="02020603050405020304" pitchFamily="18" charset="0"/>
-                <a:ea typeface="黑体" panose="02010609060101010101" pitchFamily="49" charset="-122"/>
-                <a:cs typeface="Times New Roman" panose="02020603050405020304" pitchFamily="18" charset="0"/>
-              </a:rPr>
-              <a:t>Baseline</a:t>
-            </a:r>
-            <a:r>
-              <a:rPr lang="zh-CN" altLang="en-US" sz="2800" b="1" dirty="0">
-                <a:latin typeface="Times New Roman" panose="02020603050405020304" pitchFamily="18" charset="0"/>
-                <a:ea typeface="黑体" panose="02010609060101010101" pitchFamily="49" charset="-122"/>
-                <a:cs typeface="Times New Roman" panose="02020603050405020304" pitchFamily="18" charset="0"/>
-              </a:rPr>
-              <a:t>模型</a:t>
-            </a:r>
-            <a:endParaRPr lang="zh-CN" altLang="en-US" sz="2800" dirty="0">
-              <a:latin typeface="Times New Roman" panose="02020603050405020304" pitchFamily="18" charset="0"/>
-              <a:ea typeface="黑体" panose="02010609060101010101" pitchFamily="49" charset="-122"/>
-              <a:cs typeface="Times New Roman" panose="02020603050405020304" pitchFamily="18" charset="0"/>
-            </a:endParaRPr>
-          </a:p>
-          <a:p>
-            <a:pPr marL="342900" indent="-342900">
-              <a:buFont typeface="Arial" panose="020B0604020202020204" pitchFamily="34" charset="0"/>
-              <a:buChar char="•"/>
-            </a:pPr>
-            <a:r>
-              <a:rPr lang="zh-CN" altLang="en-US" sz="2800" dirty="0">
-                <a:latin typeface="Times New Roman" panose="02020603050405020304" pitchFamily="18" charset="0"/>
-                <a:ea typeface="黑体" panose="02010609060101010101" pitchFamily="49" charset="-122"/>
-                <a:cs typeface="Times New Roman" panose="02020603050405020304" pitchFamily="18" charset="0"/>
-              </a:rPr>
-              <a:t>原生</a:t>
-            </a:r>
-            <a:r>
-              <a:rPr lang="en-US" altLang="zh-CN" sz="2800" dirty="0">
-                <a:latin typeface="Times New Roman" panose="02020603050405020304" pitchFamily="18" charset="0"/>
-                <a:ea typeface="黑体" panose="02010609060101010101" pitchFamily="49" charset="-122"/>
-                <a:cs typeface="Times New Roman" panose="02020603050405020304" pitchFamily="18" charset="0"/>
-              </a:rPr>
-              <a:t>Transformer(Hugging Face)</a:t>
-            </a:r>
-            <a:r>
-              <a:rPr lang="zh-CN" altLang="en-US" sz="2800" dirty="0">
-                <a:latin typeface="Times New Roman" panose="02020603050405020304" pitchFamily="18" charset="0"/>
-                <a:ea typeface="黑体" panose="02010609060101010101" pitchFamily="49" charset="-122"/>
-                <a:cs typeface="Times New Roman" panose="02020603050405020304" pitchFamily="18" charset="0"/>
-              </a:rPr>
-              <a:t>；</a:t>
-            </a:r>
-          </a:p>
-          <a:p>
-            <a:pPr marL="342900" indent="-342900">
-              <a:buFont typeface="Arial" panose="020B0604020202020204" pitchFamily="34" charset="0"/>
-              <a:buChar char="•"/>
-            </a:pPr>
-            <a:r>
-              <a:rPr lang="zh-CN" altLang="en-US" sz="2800" dirty="0">
-                <a:latin typeface="Times New Roman" panose="02020603050405020304" pitchFamily="18" charset="0"/>
-                <a:ea typeface="黑体" panose="02010609060101010101" pitchFamily="49" charset="-122"/>
-                <a:cs typeface="Times New Roman" panose="02020603050405020304" pitchFamily="18" charset="0"/>
-              </a:rPr>
-              <a:t>对比方法：</a:t>
-            </a:r>
-            <a:r>
-              <a:rPr lang="en-US" altLang="zh-CN" sz="2800" dirty="0">
-                <a:latin typeface="Times New Roman" panose="02020603050405020304" pitchFamily="18" charset="0"/>
-                <a:ea typeface="黑体" panose="02010609060101010101" pitchFamily="49" charset="-122"/>
-                <a:cs typeface="Times New Roman" panose="02020603050405020304" pitchFamily="18" charset="0"/>
-              </a:rPr>
-              <a:t>H2O</a:t>
-            </a:r>
-            <a:r>
-              <a:rPr lang="zh-CN" altLang="en-US" sz="2800" dirty="0">
-                <a:latin typeface="Times New Roman" panose="02020603050405020304" pitchFamily="18" charset="0"/>
-                <a:ea typeface="黑体" panose="02010609060101010101" pitchFamily="49" charset="-122"/>
-                <a:cs typeface="Times New Roman" panose="02020603050405020304" pitchFamily="18" charset="0"/>
-              </a:rPr>
-              <a:t>、</a:t>
-            </a:r>
-            <a:r>
-              <a:rPr lang="en-US" altLang="zh-CN" sz="2800" dirty="0" err="1">
-                <a:latin typeface="Times New Roman" panose="02020603050405020304" pitchFamily="18" charset="0"/>
-                <a:ea typeface="黑体" panose="02010609060101010101" pitchFamily="49" charset="-122"/>
-                <a:cs typeface="Times New Roman" panose="02020603050405020304" pitchFamily="18" charset="0"/>
-              </a:rPr>
-              <a:t>vLLM</a:t>
-            </a:r>
-            <a:r>
-              <a:rPr lang="zh-CN" altLang="en-US" sz="2800" dirty="0">
-                <a:latin typeface="Times New Roman" panose="02020603050405020304" pitchFamily="18" charset="0"/>
-                <a:ea typeface="黑体" panose="02010609060101010101" pitchFamily="49" charset="-122"/>
-                <a:cs typeface="Times New Roman" panose="02020603050405020304" pitchFamily="18" charset="0"/>
-              </a:rPr>
-              <a:t>、</a:t>
-            </a:r>
-            <a:r>
-              <a:rPr lang="en-US" altLang="zh-CN" sz="2800" dirty="0">
-                <a:latin typeface="Times New Roman" panose="02020603050405020304" pitchFamily="18" charset="0"/>
-                <a:ea typeface="黑体" panose="02010609060101010101" pitchFamily="49" charset="-122"/>
-                <a:cs typeface="Times New Roman" panose="02020603050405020304" pitchFamily="18" charset="0"/>
-              </a:rPr>
-              <a:t>FlashAttention-2</a:t>
-            </a:r>
-            <a:r>
-              <a:rPr lang="zh-CN" altLang="en-US" sz="2800" dirty="0">
-                <a:latin typeface="Times New Roman" panose="02020603050405020304" pitchFamily="18" charset="0"/>
-                <a:ea typeface="黑体" panose="02010609060101010101" pitchFamily="49" charset="-122"/>
-                <a:cs typeface="Times New Roman" panose="02020603050405020304" pitchFamily="18" charset="0"/>
-              </a:rPr>
-              <a:t>。</a:t>
-            </a:r>
-          </a:p>
-        </p:txBody>
-      </p:sp>
-    </p:spTree>
-    <p:extLst>
-      <p:ext uri="{BB962C8B-B14F-4D97-AF65-F5344CB8AC3E}">
-        <p14:creationId xmlns:p14="http://schemas.microsoft.com/office/powerpoint/2010/main" val="2242352216"/>
-      </p:ext>
-    </p:extLst>
-  </p:cSld>
-  <p:clrMapOvr>
-    <a:masterClrMapping/>
-  </p:clrMapOvr>
-</p:sld>
-</file>
-
-<file path=ppt/slides/slide11.xml><?xml version="1.0" encoding="utf-8"?>
-<p:sld xmlns:a="http://schemas.openxmlformats.org/drawingml/2006/main" xmlns:r="http://schemas.openxmlformats.org/officeDocument/2006/relationships" xmlns:p="http://schemas.openxmlformats.org/presentationml/2006/main">
-  <p:cSld>
-    <p:spTree>
-      <p:nvGrpSpPr>
         <p:cNvPr id="1" name=""/>
         <p:cNvGrpSpPr/>
         <p:nvPr/>
@@ -11442,7 +10594,7 @@
 </p:sld>
 </file>
 
-<file path=ppt/slides/slide12.xml><?xml version="1.0" encoding="utf-8"?>
+<file path=ppt/slides/slide11.xml><?xml version="1.0" encoding="utf-8"?>
 <p:sld xmlns:a="http://schemas.openxmlformats.org/drawingml/2006/main" xmlns:r="http://schemas.openxmlformats.org/officeDocument/2006/relationships" xmlns:p="http://schemas.openxmlformats.org/presentationml/2006/main">
   <p:cSld>
     <p:spTree>
@@ -12595,7 +11747,7 @@
                     <a:ea typeface="微软雅黑"/>
                     <a:sym typeface="Arial"/>
                   </a:rPr>
-                  <a:t>租用服务器</a:t>
+                  <a:t>租用阿里云服务器</a:t>
                 </a:r>
                 <a:endParaRPr lang="en-US" altLang="zh-CN" sz="2000" dirty="0">
                   <a:solidFill>
@@ -13081,7 +12233,7 @@
 </p:sld>
 </file>
 
-<file path=ppt/slides/slide13.xml><?xml version="1.0" encoding="utf-8"?>
+<file path=ppt/slides/slide12.xml><?xml version="1.0" encoding="utf-8"?>
 <p:sld xmlns:a="http://schemas.openxmlformats.org/drawingml/2006/main" xmlns:r="http://schemas.openxmlformats.org/officeDocument/2006/relationships" xmlns:p="http://schemas.openxmlformats.org/presentationml/2006/main">
   <p:cSld>
     <p:spTree>
@@ -21949,6 +21101,17 @@
               <a:t>PennTreebank</a:t>
             </a:r>
             <a:r>
+              <a:rPr lang="en-US" altLang="zh-CN" kern="100" dirty="0">
+                <a:solidFill>
+                  <a:srgbClr val="444444"/>
+                </a:solidFill>
+                <a:latin typeface="Times New Roman" panose="02020603050405020304" pitchFamily="18" charset="0"/>
+                <a:ea typeface="宋体" panose="02010600030101010101" pitchFamily="2" charset="-122"/>
+                <a:cs typeface="Times New Roman" panose="02020603050405020304" pitchFamily="18" charset="0"/>
+              </a:rPr>
+              <a:t>(PTB)</a:t>
+            </a:r>
+            <a:r>
               <a:rPr lang="zh-CN" altLang="en-US" kern="100" dirty="0">
                 <a:solidFill>
                   <a:srgbClr val="444444"/>
@@ -22078,7 +21241,7 @@
         </p:blipFill>
         <p:spPr>
           <a:xfrm>
-            <a:off x="1118767" y="2483392"/>
+            <a:off x="996883" y="5004076"/>
             <a:ext cx="5258534" cy="876422"/>
           </a:xfrm>
           <a:prstGeom prst="rect">
@@ -22108,7 +21271,7 @@
         </p:blipFill>
         <p:spPr>
           <a:xfrm>
-            <a:off x="1118767" y="3789980"/>
+            <a:off x="996883" y="2445285"/>
             <a:ext cx="5182323" cy="895475"/>
           </a:xfrm>
           <a:prstGeom prst="rect">
@@ -22138,7 +21301,7 @@
         </p:blipFill>
         <p:spPr>
           <a:xfrm>
-            <a:off x="1118767" y="5013602"/>
+            <a:off x="996883" y="3738970"/>
             <a:ext cx="5172797" cy="866896"/>
           </a:xfrm>
           <a:prstGeom prst="rect">
@@ -22751,8 +21914,8 @@
         </p:nvSpPr>
         <p:spPr>
           <a:xfrm>
-            <a:off x="996883" y="1143000"/>
-            <a:ext cx="10198233" cy="584775"/>
+            <a:off x="898392" y="1606066"/>
+            <a:ext cx="5480117" cy="523220"/>
           </a:xfrm>
           <a:prstGeom prst="rect">
             <a:avLst/>
@@ -22767,7 +21930,7 @@
           <a:p>
             <a:pPr lvl="0" algn="just"/>
             <a:r>
-              <a:rPr lang="en-US" altLang="zh-CN" sz="3200" b="1" kern="100" dirty="0" err="1">
+              <a:rPr lang="en-US" altLang="zh-CN" sz="2800" b="1" kern="100" dirty="0" err="1">
                 <a:solidFill>
                   <a:srgbClr val="444444"/>
                 </a:solidFill>
@@ -22779,7 +21942,7 @@
               <a:t>KVCache</a:t>
             </a:r>
             <a:r>
-              <a:rPr lang="en-US" altLang="zh-CN" sz="3200" b="1" kern="100" dirty="0">
+              <a:rPr lang="en-US" altLang="zh-CN" sz="2800" b="1" kern="100" dirty="0">
                 <a:solidFill>
                   <a:srgbClr val="444444"/>
                 </a:solidFill>
@@ -22791,7 +21954,7 @@
               <a:t> </a:t>
             </a:r>
             <a:r>
-              <a:rPr lang="zh-CN" altLang="en-US" sz="3200" b="1" kern="100" dirty="0">
+              <a:rPr lang="zh-CN" altLang="en-US" sz="2800" b="1" kern="100" dirty="0">
                 <a:solidFill>
                   <a:srgbClr val="444444"/>
                 </a:solidFill>
@@ -22802,7 +21965,7 @@
               </a:rPr>
               <a:t>卸载优化（调试阶段）</a:t>
             </a:r>
-            <a:endParaRPr lang="en-US" altLang="zh-CN" sz="3200" b="1" kern="100" dirty="0">
+            <a:endParaRPr lang="en-US" altLang="zh-CN" sz="2800" b="1" kern="100" dirty="0">
               <a:solidFill>
                 <a:srgbClr val="444444"/>
               </a:solidFill>
@@ -22814,6 +21977,36 @@
           </a:p>
         </p:txBody>
       </p:sp>
+      <p:pic>
+        <p:nvPicPr>
+          <p:cNvPr id="5" name="图片 4">
+            <a:extLst>
+              <a:ext uri="{FF2B5EF4-FFF2-40B4-BE49-F238E27FC236}">
+                <a16:creationId xmlns:a16="http://schemas.microsoft.com/office/drawing/2014/main" id="{EFAFFF71-21A2-2D01-96D0-D27E711B169E}"/>
+              </a:ext>
+            </a:extLst>
+          </p:cNvPr>
+          <p:cNvPicPr>
+            <a:picLocks noChangeAspect="1"/>
+          </p:cNvPicPr>
+          <p:nvPr/>
+        </p:nvPicPr>
+        <p:blipFill>
+          <a:blip r:embed="rId2"/>
+          <a:stretch>
+            <a:fillRect/>
+          </a:stretch>
+        </p:blipFill>
+        <p:spPr>
+          <a:xfrm>
+            <a:off x="6378508" y="456880"/>
+            <a:ext cx="4915099" cy="6040487"/>
+          </a:xfrm>
+          <a:prstGeom prst="rect">
+            <a:avLst/>
+          </a:prstGeom>
+        </p:spPr>
+      </p:pic>
     </p:spTree>
     <p:extLst>
       <p:ext uri="{BB962C8B-B14F-4D97-AF65-F5344CB8AC3E}">
